--- a/translations/en-us/advanced/PropSound.pptx
+++ b/translations/en-us/advanced/PropSound.pptx
@@ -221,7 +221,7 @@
           <a:p>
             <a:fld id="{F8D9B3D7-15CB-9343-AA49-EFB5A8F33F18}" type="datetimeFigureOut">
               <a:rPr lang="en-US" smtClean="0"/>
-              <a:t>7/4/16</a:t>
+              <a:t>7/19/16</a:t>
             </a:fld>
             <a:endParaRPr lang="en-US"/>
           </a:p>
@@ -387,7 +387,7 @@
           <a:p>
             <a:fld id="{FD3EFF1E-85A1-6640-AFB9-C38833E80A84}" type="datetimeFigureOut">
               <a:rPr lang="en-US" smtClean="0"/>
-              <a:t>7/4/16</a:t>
+              <a:t>7/19/16</a:t>
             </a:fld>
             <a:endParaRPr lang="en-US"/>
           </a:p>
@@ -955,7 +955,7 @@
           <a:p>
             <a:fld id="{82E7C473-BA81-F049-B92E-80FB1B6CCEAE}" type="datetime1">
               <a:rPr lang="en-US" smtClean="0"/>
-              <a:t>7/4/16</a:t>
+              <a:t>7/19/16</a:t>
             </a:fld>
             <a:endParaRPr lang="en-US"/>
           </a:p>
@@ -1129,7 +1129,7 @@
           <a:p>
             <a:fld id="{F09418E7-4544-7340-A004-4DA995B9CB80}" type="datetime1">
               <a:rPr lang="en-US" smtClean="0"/>
-              <a:t>7/4/16</a:t>
+              <a:t>7/19/16</a:t>
             </a:fld>
             <a:endParaRPr lang="en-US"/>
           </a:p>
@@ -1313,7 +1313,7 @@
           <a:p>
             <a:fld id="{2176A1F0-8533-FE44-9D1A-778B76635056}" type="datetime1">
               <a:rPr lang="en-US" smtClean="0"/>
-              <a:t>7/4/16</a:t>
+              <a:t>7/19/16</a:t>
             </a:fld>
             <a:endParaRPr lang="en-US"/>
           </a:p>
@@ -1530,7 +1530,7 @@
           <a:p>
             <a:fld id="{1E91B6E9-711D-5542-9BFC-063A91168D06}" type="datetime1">
               <a:rPr lang="en-US" smtClean="0"/>
-              <a:t>7/4/16</a:t>
+              <a:t>7/19/16</a:t>
             </a:fld>
             <a:endParaRPr lang="en-US"/>
           </a:p>
@@ -1749,7 +1749,7 @@
           <a:noFill/>
           <a:extLst>
             <a:ext uri="{909E8E84-426E-40dd-AFC4-6F175D3DCCD1}">
-              <a14:hiddenFill xmlns="" xmlns:a14="http://schemas.microsoft.com/office/drawing/2010/main">
+              <a14:hiddenFill xmlns:a14="http://schemas.microsoft.com/office/drawing/2010/main" xmlns="">
                 <a:solidFill>
                   <a:srgbClr val="FFFFFF"/>
                 </a:solidFill>
@@ -2081,7 +2081,7 @@
           <a:p>
             <a:fld id="{8D65DBAA-4B96-BA4E-92DB-93F0298D2A8B}" type="datetime1">
               <a:rPr lang="en-US" smtClean="0"/>
-              <a:t>7/4/16</a:t>
+              <a:t>7/19/16</a:t>
             </a:fld>
             <a:endParaRPr lang="en-US"/>
           </a:p>
@@ -2354,7 +2354,7 @@
           <a:p>
             <a:fld id="{DBCAB0B0-9800-6144-A0E0-8CBE35A2E58D}" type="datetime1">
               <a:rPr lang="en-US" smtClean="0"/>
-              <a:t>7/4/16</a:t>
+              <a:t>7/19/16</a:t>
             </a:fld>
             <a:endParaRPr lang="en-US"/>
           </a:p>
@@ -2659,7 +2659,7 @@
           <a:p>
             <a:fld id="{15ABF8BA-2AE8-C643-B503-8690CD484F98}" type="datetime1">
               <a:rPr lang="en-US" smtClean="0"/>
-              <a:t>7/4/16</a:t>
+              <a:t>7/19/16</a:t>
             </a:fld>
             <a:endParaRPr lang="en-US"/>
           </a:p>
@@ -3122,7 +3122,7 @@
           <a:p>
             <a:fld id="{8C9E6307-C5E6-284A-BE8E-78A2B7F5238C}" type="datetime1">
               <a:rPr lang="en-US" smtClean="0"/>
-              <a:t>7/4/16</a:t>
+              <a:t>7/19/16</a:t>
             </a:fld>
             <a:endParaRPr lang="en-US"/>
           </a:p>
@@ -3259,7 +3259,7 @@
           <a:p>
             <a:fld id="{1843DC61-1642-4748-9CC9-78266B7E1C41}" type="datetime1">
               <a:rPr lang="en-US" smtClean="0"/>
-              <a:t>7/4/16</a:t>
+              <a:t>7/19/16</a:t>
             </a:fld>
             <a:endParaRPr lang="en-US"/>
           </a:p>
@@ -3373,7 +3373,7 @@
           <a:p>
             <a:fld id="{0B6D6741-3B23-B045-864B-8F2961214255}" type="datetime1">
               <a:rPr lang="en-US" smtClean="0"/>
-              <a:t>7/4/16</a:t>
+              <a:t>7/19/16</a:t>
             </a:fld>
             <a:endParaRPr lang="en-US"/>
           </a:p>
@@ -3632,7 +3632,7 @@
           <a:p>
             <a:fld id="{B4D6B6DC-AE29-CB48-87F9-48635B873A12}" type="datetime1">
               <a:rPr lang="en-US" smtClean="0"/>
-              <a:t>7/4/16</a:t>
+              <a:t>7/19/16</a:t>
             </a:fld>
             <a:endParaRPr lang="en-US"/>
           </a:p>
@@ -3837,7 +3837,7 @@
           <a:p>
             <a:fld id="{48B7A592-871E-1049-91CD-95097175A758}" type="datetime1">
               <a:rPr lang="en-US" smtClean="0"/>
-              <a:t>7/4/16</a:t>
+              <a:t>7/19/16</a:t>
             </a:fld>
             <a:endParaRPr lang="en-US"/>
           </a:p>
@@ -4117,7 +4117,7 @@
           <a:p>
             <a:fld id="{533E13CC-0A18-2A4B-9D6F-C27B47490B21}" type="datetime1">
               <a:rPr lang="en-US" smtClean="0"/>
-              <a:t>7/4/16</a:t>
+              <a:t>7/19/16</a:t>
             </a:fld>
             <a:endParaRPr lang="en-US"/>
           </a:p>
@@ -4387,7 +4387,7 @@
           <a:p>
             <a:fld id="{F35E6DC9-BDC6-784F-8AC6-7F092335CA59}" type="datetime1">
               <a:rPr lang="en-US" smtClean="0"/>
-              <a:t>7/4/16</a:t>
+              <a:t>7/19/16</a:t>
             </a:fld>
             <a:endParaRPr lang="en-US"/>
           </a:p>
@@ -4579,7 +4579,7 @@
           <a:p>
             <a:fld id="{1EF3DFD1-D09D-484C-BDAF-6DE35EAA4C19}" type="datetime1">
               <a:rPr lang="en-US" smtClean="0"/>
-              <a:t>7/4/16</a:t>
+              <a:t>7/19/16</a:t>
             </a:fld>
             <a:endParaRPr lang="en-US"/>
           </a:p>
@@ -4783,7 +4783,7 @@
           <a:p>
             <a:fld id="{FB3C27F4-8F47-AB44-80A9-CD1759473ECD}" type="datetime1">
               <a:rPr lang="en-US" smtClean="0"/>
-              <a:t>7/4/16</a:t>
+              <a:t>7/19/16</a:t>
             </a:fld>
             <a:endParaRPr lang="en-US"/>
           </a:p>
@@ -4957,7 +4957,7 @@
           <a:p>
             <a:fld id="{3EC3183F-8457-D342-972A-4A014CCE0473}" type="datetime1">
               <a:rPr lang="en-US" smtClean="0"/>
-              <a:t>7/4/16</a:t>
+              <a:t>7/19/16</a:t>
             </a:fld>
             <a:endParaRPr lang="en-US"/>
           </a:p>
@@ -5207,7 +5207,7 @@
           <a:p>
             <a:fld id="{D1BBD6A6-1423-5247-8931-28FA810238E8}" type="datetime1">
               <a:rPr lang="en-US" smtClean="0"/>
-              <a:t>7/4/16</a:t>
+              <a:t>7/19/16</a:t>
             </a:fld>
             <a:endParaRPr lang="en-US"/>
           </a:p>
@@ -5443,7 +5443,7 @@
           <a:p>
             <a:fld id="{F3F5B72C-DBFC-454D-8B3B-E0BA4284A9E7}" type="datetime1">
               <a:rPr lang="en-US" smtClean="0"/>
-              <a:t>7/4/16</a:t>
+              <a:t>7/19/16</a:t>
             </a:fld>
             <a:endParaRPr lang="en-US"/>
           </a:p>
@@ -5814,7 +5814,7 @@
           <a:p>
             <a:fld id="{5BFF336B-9CB2-F742-9031-923ED79E5DF5}" type="datetime1">
               <a:rPr lang="en-US" smtClean="0"/>
-              <a:t>7/4/16</a:t>
+              <a:t>7/19/16</a:t>
             </a:fld>
             <a:endParaRPr lang="en-US"/>
           </a:p>
@@ -5936,7 +5936,7 @@
           <a:p>
             <a:fld id="{C10C14F0-A460-0D4B-B825-DA8992F5E2FA}" type="datetime1">
               <a:rPr lang="en-US" smtClean="0"/>
-              <a:t>7/4/16</a:t>
+              <a:t>7/19/16</a:t>
             </a:fld>
             <a:endParaRPr lang="en-US"/>
           </a:p>
@@ -6035,7 +6035,7 @@
           <a:p>
             <a:fld id="{44AA7815-2951-6249-A239-7E92E9AA331C}" type="datetime1">
               <a:rPr lang="en-US" smtClean="0"/>
-              <a:t>7/4/16</a:t>
+              <a:t>7/19/16</a:t>
             </a:fld>
             <a:endParaRPr lang="en-US"/>
           </a:p>
@@ -6285,7 +6285,7 @@
           <a:p>
             <a:fld id="{1330CEE1-F151-AA4B-BE50-2648DDF3C1C7}" type="datetime1">
               <a:rPr lang="en-US" smtClean="0"/>
-              <a:t>7/4/16</a:t>
+              <a:t>7/19/16</a:t>
             </a:fld>
             <a:endParaRPr lang="en-US"/>
           </a:p>
@@ -6566,7 +6566,7 @@
           <a:p>
             <a:fld id="{BAC86A54-C3A8-6A47-8CF2-839B8CF64F99}" type="datetime1">
               <a:rPr lang="en-US" smtClean="0"/>
-              <a:t>7/4/16</a:t>
+              <a:t>7/19/16</a:t>
             </a:fld>
             <a:endParaRPr lang="en-US"/>
           </a:p>
@@ -6827,7 +6827,7 @@
           <a:p>
             <a:fld id="{6962E5EA-9BFE-2947-A952-5B1A3C6D01E6}" type="datetime1">
               <a:rPr lang="en-US" smtClean="0"/>
-              <a:t>7/4/16</a:t>
+              <a:t>7/19/16</a:t>
             </a:fld>
             <a:endParaRPr lang="en-US"/>
           </a:p>
@@ -7001,7 +7001,7 @@
           <a:p>
             <a:fld id="{BA349474-8EDD-3443-BF11-7E42C53DAFCB}" type="datetime1">
               <a:rPr lang="en-US" smtClean="0"/>
-              <a:t>7/4/16</a:t>
+              <a:t>7/19/16</a:t>
             </a:fld>
             <a:endParaRPr lang="en-US"/>
           </a:p>
@@ -7185,7 +7185,7 @@
           <a:p>
             <a:fld id="{A658E3FC-BA66-3641-ABC3-AC21A8AFC601}" type="datetime1">
               <a:rPr lang="en-US" smtClean="0"/>
-              <a:t>7/4/16</a:t>
+              <a:t>7/19/16</a:t>
             </a:fld>
             <a:endParaRPr lang="en-US"/>
           </a:p>
@@ -7438,7 +7438,7 @@
           <a:p>
             <a:fld id="{FCEF9500-A375-6748-8ACC-324CE04740CA}" type="datetime1">
               <a:rPr lang="en-US" smtClean="0"/>
-              <a:t>7/4/16</a:t>
+              <a:t>7/19/16</a:t>
             </a:fld>
             <a:endParaRPr lang="en-US"/>
           </a:p>
@@ -7629,11 +7629,7 @@
             <a:pPr algn="ctr"/>
             <a:r>
               <a:rPr lang="en-US" sz="3600" smtClean="0"/>
-              <a:t>INTERMEDIATE </a:t>
-            </a:r>
-            <a:r>
-              <a:rPr lang="en-US" sz="3600" smtClean="0"/>
-              <a:t>PROGRAMMING </a:t>
+              <a:t>INTERMEDIATE PROGRAMMING </a:t>
             </a:r>
             <a:r>
               <a:rPr lang="en-US" sz="3600" dirty="0" smtClean="0"/>
@@ -7796,7 +7792,7 @@
           <a:p>
             <a:fld id="{E5D27421-6587-7242-B5B0-0D5DB3CB7031}" type="datetime1">
               <a:rPr lang="en-US" smtClean="0"/>
-              <a:t>7/4/16</a:t>
+              <a:t>7/19/16</a:t>
             </a:fld>
             <a:endParaRPr lang="en-US"/>
           </a:p>
@@ -8143,7 +8139,7 @@
           <a:p>
             <a:fld id="{A2BFF01A-3005-BB48-AE17-E77698323F46}" type="datetime1">
               <a:rPr lang="en-US" smtClean="0"/>
-              <a:t>7/4/16</a:t>
+              <a:t>7/19/16</a:t>
             </a:fld>
             <a:endParaRPr lang="en-US"/>
           </a:p>
@@ -8394,7 +8390,7 @@
           <a:p>
             <a:fld id="{C4BCEA90-35F5-6E46-9BC9-2F08628DB3E3}" type="datetime1">
               <a:rPr lang="en-US" smtClean="0"/>
-              <a:t>7/4/16</a:t>
+              <a:t>7/19/16</a:t>
             </a:fld>
             <a:endParaRPr lang="en-US"/>
           </a:p>
@@ -8772,7 +8768,7 @@
           <a:p>
             <a:fld id="{E8677142-308E-104C-8F36-2A9341D35728}" type="datetime1">
               <a:rPr lang="en-US" smtClean="0"/>
-              <a:t>7/4/16</a:t>
+              <a:t>7/19/16</a:t>
             </a:fld>
             <a:endParaRPr lang="en-US"/>
           </a:p>
@@ -8917,7 +8913,7 @@
           <a:p>
             <a:fld id="{8C4EA722-38A0-D04D-8D49-2535CA53F03A}" type="datetime1">
               <a:rPr lang="en-US" smtClean="0"/>
-              <a:t>7/4/16</a:t>
+              <a:t>7/19/16</a:t>
             </a:fld>
             <a:endParaRPr lang="en-US"/>
           </a:p>
@@ -9153,7 +9149,7 @@
           <a:p>
             <a:fld id="{1D988EF2-DE24-794D-BDDD-7BB8B1DB9AA0}" type="datetime1">
               <a:rPr lang="en-US" smtClean="0"/>
-              <a:t>7/4/16</a:t>
+              <a:t>7/19/16</a:t>
             </a:fld>
             <a:endParaRPr lang="en-US"/>
           </a:p>
@@ -9328,7 +9324,7 @@
           <a:p>
             <a:fld id="{A48DB39F-B404-B046-9A9E-D0D1C442D0C4}" type="datetime1">
               <a:rPr lang="en-US" smtClean="0"/>
-              <a:t>7/4/16</a:t>
+              <a:t>7/19/16</a:t>
             </a:fld>
             <a:endParaRPr lang="en-US"/>
           </a:p>
@@ -9686,7 +9682,7 @@
           <a:p>
             <a:fld id="{1A14FA62-BA50-454D-B5F4-BEC9DE13952A}" type="datetime1">
               <a:rPr lang="en-US" smtClean="0"/>
-              <a:t>7/4/16</a:t>
+              <a:t>7/19/16</a:t>
             </a:fld>
             <a:endParaRPr lang="en-US"/>
           </a:p>
@@ -10072,7 +10068,7 @@
           <a:p>
             <a:fld id="{790575FE-9E6C-F242-B44A-2295D847FEB9}" type="datetime1">
               <a:rPr lang="en-US" smtClean="0"/>
-              <a:t>7/4/16</a:t>
+              <a:t>7/19/16</a:t>
             </a:fld>
             <a:endParaRPr lang="en-US"/>
           </a:p>
@@ -10246,7 +10242,7 @@
           <a:p>
             <a:fld id="{87CD1FDE-4DED-D24A-BA4F-30158F01DCB1}" type="datetime1">
               <a:rPr lang="en-US" smtClean="0"/>
-              <a:t>7/4/16</a:t>
+              <a:t>7/19/16</a:t>
             </a:fld>
             <a:endParaRPr lang="en-US"/>
           </a:p>
@@ -10506,7 +10502,7 @@
           <a:p>
             <a:fld id="{E37FE861-746C-ED43-BF8C-19DE5192BA03}" type="datetime1">
               <a:rPr lang="en-US" smtClean="0"/>
-              <a:t>7/4/16</a:t>
+              <a:t>7/19/16</a:t>
             </a:fld>
             <a:endParaRPr lang="en-US"/>
           </a:p>
@@ -10605,7 +10601,7 @@
           <a:p>
             <a:fld id="{9DD984BB-465E-3A49-835A-9459468D38F9}" type="datetime1">
               <a:rPr lang="en-US" smtClean="0"/>
-              <a:t>7/4/16</a:t>
+              <a:t>7/19/16</a:t>
             </a:fld>
             <a:endParaRPr lang="en-US"/>
           </a:p>
@@ -11156,7 +11152,7 @@
           <a:noFill/>
           <a:extLst>
             <a:ext uri="{909E8E84-426E-40dd-AFC4-6F175D3DCCD1}">
-              <a14:hiddenFill xmlns="" xmlns:a14="http://schemas.microsoft.com/office/drawing/2010/main">
+              <a14:hiddenFill xmlns:a14="http://schemas.microsoft.com/office/drawing/2010/main" xmlns="">
                 <a:solidFill>
                   <a:srgbClr val="FFFFFF"/>
                 </a:solidFill>
@@ -11310,7 +11306,7 @@
           <a:p>
             <a:fld id="{7AA88D65-2AFF-6847-A184-6BB2BE3A331F}" type="datetime1">
               <a:rPr lang="en-US" smtClean="0"/>
-              <a:t>7/4/16</a:t>
+              <a:t>7/19/16</a:t>
             </a:fld>
             <a:endParaRPr lang="en-US"/>
           </a:p>
@@ -11773,7 +11769,7 @@
           <a:p>
             <a:fld id="{6504020E-ED6A-E84F-80F6-17A3C4DC5D0A}" type="datetime1">
               <a:rPr lang="en-US" smtClean="0"/>
-              <a:t>7/4/16</a:t>
+              <a:t>7/19/16</a:t>
             </a:fld>
             <a:endParaRPr lang="en-US"/>
           </a:p>
@@ -12237,7 +12233,7 @@
           <a:p>
             <a:fld id="{F2564492-D547-F548-94EA-853A12E5B201}" type="datetime1">
               <a:rPr lang="en-US" smtClean="0"/>
-              <a:t>7/4/16</a:t>
+              <a:t>7/19/16</a:t>
             </a:fld>
             <a:endParaRPr lang="en-US"/>
           </a:p>
@@ -12962,7 +12958,7 @@
           <a:p>
             <a:fld id="{441E9439-F875-474E-93D8-3F1C02291504}" type="datetime1">
               <a:rPr lang="en-US" smtClean="0"/>
-              <a:t>7/4/16</a:t>
+              <a:t>7/19/16</a:t>
             </a:fld>
             <a:endParaRPr lang="en-US"/>
           </a:p>
@@ -13340,7 +13336,7 @@
           <a:p>
             <a:fld id="{CFC1182F-9442-564B-9FE0-0A366B2687C8}" type="datetime1">
               <a:rPr lang="en-US" smtClean="0"/>
-              <a:t>7/4/16</a:t>
+              <a:t>7/19/16</a:t>
             </a:fld>
             <a:endParaRPr lang="en-US"/>
           </a:p>
@@ -13615,7 +13611,7 @@
           <a:p>
             <a:fld id="{A5AD0245-411D-5645-8D24-EE713642DCA3}" type="datetime1">
               <a:rPr lang="en-US" smtClean="0"/>
-              <a:t>7/4/16</a:t>
+              <a:t>7/19/16</a:t>
             </a:fld>
             <a:endParaRPr lang="en-US"/>
           </a:p>
@@ -13935,7 +13931,7 @@
           <a:p>
             <a:fld id="{DADCF4A0-EA59-CC47-A06A-761D2A4B4AC8}" type="datetime1">
               <a:rPr lang="en-US" smtClean="0"/>
-              <a:t>7/4/16</a:t>
+              <a:t>7/19/16</a:t>
             </a:fld>
             <a:endParaRPr lang="en-US"/>
           </a:p>
@@ -14164,7 +14160,7 @@
           <a:p>
             <a:fld id="{2AD7D69C-EE9A-5844-BDD2-EE495878225E}" type="datetime1">
               <a:rPr lang="en-US" smtClean="0"/>
-              <a:t>7/4/16</a:t>
+              <a:t>7/19/16</a:t>
             </a:fld>
             <a:endParaRPr lang="en-US"/>
           </a:p>
@@ -14451,7 +14447,7 @@
           <a:p>
             <a:fld id="{0F296B77-C903-DD42-B96C-5C185F1151D6}" type="datetime1">
               <a:rPr lang="en-US" smtClean="0"/>
-              <a:t>7/4/16</a:t>
+              <a:t>7/19/16</a:t>
             </a:fld>
             <a:endParaRPr lang="en-US"/>
           </a:p>
@@ -14630,7 +14626,7 @@
           <a:p>
             <a:fld id="{85022E0C-7EEE-B245-8BD0-501967C89422}" type="datetime1">
               <a:rPr lang="en-US" smtClean="0"/>
-              <a:t>7/4/16</a:t>
+              <a:t>7/19/16</a:t>
             </a:fld>
             <a:endParaRPr lang="en-US"/>
           </a:p>
@@ -14729,7 +14725,7 @@
           <a:p>
             <a:fld id="{6904022C-CC62-8D43-A3FF-94DFA5BC6494}" type="datetime1">
               <a:rPr lang="en-US" smtClean="0"/>
-              <a:t>7/4/16</a:t>
+              <a:t>7/19/16</a:t>
             </a:fld>
             <a:endParaRPr lang="en-US"/>
           </a:p>
@@ -15010,7 +15006,7 @@
           <a:p>
             <a:fld id="{D244D07C-4E86-6041-B1D3-A6B0D3D915FF}" type="datetime1">
               <a:rPr lang="en-US" smtClean="0"/>
-              <a:t>7/4/16</a:t>
+              <a:t>7/19/16</a:t>
             </a:fld>
             <a:endParaRPr lang="en-US"/>
           </a:p>
@@ -15267,7 +15263,7 @@
           <a:p>
             <a:fld id="{4D26F791-F23B-EE4F-886D-EE14E245B72A}" type="datetime1">
               <a:rPr lang="en-US" smtClean="0"/>
-              <a:t>7/4/16</a:t>
+              <a:t>7/19/16</a:t>
             </a:fld>
             <a:endParaRPr lang="en-US"/>
           </a:p>
@@ -15484,7 +15480,7 @@
           <a:p>
             <a:fld id="{F2A7A654-5146-E645-87FB-4CABA52494D6}" type="datetime1">
               <a:rPr lang="en-US" smtClean="0"/>
-              <a:t>7/4/16</a:t>
+              <a:t>7/19/16</a:t>
             </a:fld>
             <a:endParaRPr lang="en-US"/>
           </a:p>
@@ -16027,7 +16023,7 @@
           <a:p>
             <a:fld id="{208BD069-2577-E440-90D3-A1BD81049E75}" type="datetime1">
               <a:rPr lang="en-US" smtClean="0"/>
-              <a:t>7/4/16</a:t>
+              <a:t>7/19/16</a:t>
             </a:fld>
             <a:endParaRPr lang="en-US"/>
           </a:p>
@@ -16792,7 +16788,7 @@
           <a:p>
             <a:fld id="{485FC179-2BEF-164A-9057-16697693AE5A}" type="datetime1">
               <a:rPr lang="en-US" smtClean="0"/>
-              <a:t>7/4/16</a:t>
+              <a:t>7/19/16</a:t>
             </a:fld>
             <a:endParaRPr lang="en-US"/>
           </a:p>
@@ -17413,7 +17409,7 @@
           <a:p>
             <a:fld id="{1F8BBAD2-CFAA-EB41-B508-A65A27FDBAE9}" type="datetime1">
               <a:rPr lang="en-US" smtClean="0"/>
-              <a:t>7/4/16</a:t>
+              <a:t>7/19/16</a:t>
             </a:fld>
             <a:endParaRPr lang="en-US"/>
           </a:p>
@@ -18085,7 +18081,7 @@
           <a:p>
             <a:fld id="{FE139DD8-763D-F94B-9557-E178C9AAE84B}" type="datetime1">
               <a:rPr lang="en-US" smtClean="0"/>
-              <a:t>7/4/16</a:t>
+              <a:t>7/19/16</a:t>
             </a:fld>
             <a:endParaRPr lang="en-US"/>
           </a:p>
@@ -18649,6 +18645,35 @@
           </a:p>
         </p:txBody>
       </p:sp>
+      <p:pic>
+        <p:nvPicPr>
+          <p:cNvPr id="4" name="Picture 3"/>
+          <p:cNvPicPr>
+            <a:picLocks noChangeAspect="1"/>
+          </p:cNvPicPr>
+          <p:nvPr/>
+        </p:nvPicPr>
+        <p:blipFill rotWithShape="1">
+          <a:blip r:embed="rId3">
+            <a:extLst>
+              <a:ext uri="{28A0092B-C50C-407E-A947-70E740481C1C}">
+                <a14:useLocalDpi xmlns:a14="http://schemas.microsoft.com/office/drawing/2010/main" val="0"/>
+              </a:ext>
+            </a:extLst>
+          </a:blip>
+          <a:srcRect l="4523" t="17619" r="3095" b="25000"/>
+          <a:stretch/>
+        </p:blipFill>
+        <p:spPr>
+          <a:xfrm>
+            <a:off x="3459013" y="4560129"/>
+            <a:ext cx="2225974" cy="1382629"/>
+          </a:xfrm>
+          <a:prstGeom prst="rect">
+            <a:avLst/>
+          </a:prstGeom>
+        </p:spPr>
+      </p:pic>
     </p:spTree>
     <p:extLst>
       <p:ext uri="{BB962C8B-B14F-4D97-AF65-F5344CB8AC3E}">
@@ -18707,15 +18732,7 @@
             </a:pPr>
             <a:r>
               <a:rPr lang="en-US" dirty="0" smtClean="0"/>
-              <a:t>Learn </a:t>
-            </a:r>
-            <a:r>
-              <a:rPr lang="en-US" dirty="0" smtClean="0"/>
-              <a:t>to use the </a:t>
-            </a:r>
-            <a:r>
-              <a:rPr lang="en-US" dirty="0" smtClean="0"/>
-              <a:t>Sound Sensor with proportional control</a:t>
+              <a:t>Learn to use the Sound Sensor with proportional control</a:t>
             </a:r>
           </a:p>
           <a:p>
@@ -19408,7 +19425,6 @@
               <a:rPr lang="en-US" altLang="en-US" dirty="0" smtClean="0"/>
               <a:t>Sound Sensor: Measure Mode</a:t>
             </a:r>
-            <a:endParaRPr lang="en-US" altLang="en-US" dirty="0" smtClean="0"/>
           </a:p>
         </p:txBody>
       </p:sp>
@@ -19500,23 +19516,7 @@
             </a:pPr>
             <a:r>
               <a:rPr lang="en-US" altLang="en-US" dirty="0" smtClean="0"/>
-              <a:t>In the Sound Sensor lesson in </a:t>
-            </a:r>
-            <a:r>
-              <a:rPr lang="en-US" altLang="en-US" dirty="0" smtClean="0"/>
-              <a:t>B</a:t>
-            </a:r>
-            <a:r>
-              <a:rPr lang="en-US" altLang="en-US" dirty="0" smtClean="0"/>
-              <a:t>eginner, the challenge was to write a “C</a:t>
-            </a:r>
-            <a:r>
-              <a:rPr lang="en-US" altLang="en-US" dirty="0" smtClean="0"/>
-              <a:t>elebration” </a:t>
-            </a:r>
-            <a:r>
-              <a:rPr lang="en-US" altLang="en-US" dirty="0" smtClean="0"/>
-              <a:t>program where the robot moves faster or slower depending on how loud the sound is</a:t>
+              <a:t>In the Sound Sensor lesson in Beginner, the challenge was to write a “Celebration” program where the robot moves faster or slower depending on how loud the sound is</a:t>
             </a:r>
           </a:p>
           <a:p>
@@ -19528,7 +19528,6 @@
               <a:rPr lang="en-US" altLang="en-US" dirty="0" smtClean="0"/>
               <a:t>For this challenge, we will improve this code by using proportional control</a:t>
             </a:r>
-            <a:endParaRPr lang="en-US" altLang="en-US" dirty="0" smtClean="0"/>
           </a:p>
           <a:p>
             <a:pPr>
@@ -19653,7 +19652,6 @@
               <a:rPr lang="en-US" altLang="en-US" dirty="0" smtClean="0"/>
               <a:t>Challenge</a:t>
             </a:r>
-            <a:endParaRPr lang="en-US" altLang="en-US" dirty="0" smtClean="0"/>
           </a:p>
         </p:txBody>
       </p:sp>
@@ -19762,13 +19760,8 @@
           <a:p>
             <a:r>
               <a:rPr lang="en-US" altLang="en-US" dirty="0" smtClean="0"/>
-              <a:t>Challenge </a:t>
-            </a:r>
-            <a:r>
-              <a:rPr lang="en-US" altLang="en-US" dirty="0" smtClean="0"/>
-              <a:t> Solution</a:t>
-            </a:r>
-            <a:endParaRPr lang="en-US" altLang="en-US" dirty="0" smtClean="0"/>
+              <a:t>Challenge  Solution</a:t>
+            </a:r>
           </a:p>
         </p:txBody>
       </p:sp>
@@ -19989,7 +19982,7 @@
           <a:effectLst/>
           <a:extLst>
             <a:ext uri="{91240B29-F687-4f45-9708-019B960494DF}">
-              <a14:hiddenLine xmlns="" xmlns:a14="http://schemas.microsoft.com/office/drawing/2010/main" w="9525">
+              <a14:hiddenLine xmlns:a14="http://schemas.microsoft.com/office/drawing/2010/main" xmlns="" w="9525">
                 <a:solidFill>
                   <a:schemeClr val="tx1"/>
                 </a:solidFill>
@@ -19999,7 +19992,7 @@
               </a14:hiddenLine>
             </a:ext>
             <a:ext uri="{AF507438-7753-43e0-B8FC-AC1667EBCBE1}">
-              <a14:hiddenEffects xmlns="" xmlns:a14="http://schemas.microsoft.com/office/drawing/2010/main">
+              <a14:hiddenEffects xmlns:a14="http://schemas.microsoft.com/office/drawing/2010/main" xmlns="">
                 <a:effectLst>
                   <a:outerShdw dist="35921" dir="2700000" algn="ctr" rotWithShape="0">
                     <a:schemeClr val="bg2"/>
@@ -20352,7 +20345,7 @@
           <a:noFill/>
           <a:extLst>
             <a:ext uri="{909E8E84-426E-40dd-AFC4-6F175D3DCCD1}">
-              <a14:hiddenFill xmlns="" xmlns:a14="http://schemas.microsoft.com/office/drawing/2010/main">
+              <a14:hiddenFill xmlns:a14="http://schemas.microsoft.com/office/drawing/2010/main" xmlns="">
                 <a:solidFill>
                   <a:srgbClr val="FFFFFF"/>
                 </a:solidFill>
